--- a/images/techimages/TANIA-LearningAccessible.pptx
+++ b/images/techimages/TANIA-LearningAccessible.pptx
@@ -274,7 +274,7 @@
           <a:p>
             <a:fld id="{2AF10721-C3B9-4CD3-9E8B-0CBC153B4597}" type="datetimeFigureOut">
               <a:rPr lang="en-US" smtClean="0"/>
-              <a:t>3/27/2021</a:t>
+              <a:t>4/17/2021</a:t>
             </a:fld>
             <a:endParaRPr lang="en-US"/>
           </a:p>
@@ -472,7 +472,7 @@
           <a:p>
             <a:fld id="{2AF10721-C3B9-4CD3-9E8B-0CBC153B4597}" type="datetimeFigureOut">
               <a:rPr lang="en-US" smtClean="0"/>
-              <a:t>3/27/2021</a:t>
+              <a:t>4/17/2021</a:t>
             </a:fld>
             <a:endParaRPr lang="en-US"/>
           </a:p>
@@ -680,7 +680,7 @@
           <a:p>
             <a:fld id="{2AF10721-C3B9-4CD3-9E8B-0CBC153B4597}" type="datetimeFigureOut">
               <a:rPr lang="en-US" smtClean="0"/>
-              <a:t>3/27/2021</a:t>
+              <a:t>4/17/2021</a:t>
             </a:fld>
             <a:endParaRPr lang="en-US"/>
           </a:p>
@@ -878,7 +878,7 @@
           <a:p>
             <a:fld id="{2AF10721-C3B9-4CD3-9E8B-0CBC153B4597}" type="datetimeFigureOut">
               <a:rPr lang="en-US" smtClean="0"/>
-              <a:t>3/27/2021</a:t>
+              <a:t>4/17/2021</a:t>
             </a:fld>
             <a:endParaRPr lang="en-US"/>
           </a:p>
@@ -1153,7 +1153,7 @@
           <a:p>
             <a:fld id="{2AF10721-C3B9-4CD3-9E8B-0CBC153B4597}" type="datetimeFigureOut">
               <a:rPr lang="en-US" smtClean="0"/>
-              <a:t>3/27/2021</a:t>
+              <a:t>4/17/2021</a:t>
             </a:fld>
             <a:endParaRPr lang="en-US"/>
           </a:p>
@@ -1418,7 +1418,7 @@
           <a:p>
             <a:fld id="{2AF10721-C3B9-4CD3-9E8B-0CBC153B4597}" type="datetimeFigureOut">
               <a:rPr lang="en-US" smtClean="0"/>
-              <a:t>3/27/2021</a:t>
+              <a:t>4/17/2021</a:t>
             </a:fld>
             <a:endParaRPr lang="en-US"/>
           </a:p>
@@ -1830,7 +1830,7 @@
           <a:p>
             <a:fld id="{2AF10721-C3B9-4CD3-9E8B-0CBC153B4597}" type="datetimeFigureOut">
               <a:rPr lang="en-US" smtClean="0"/>
-              <a:t>3/27/2021</a:t>
+              <a:t>4/17/2021</a:t>
             </a:fld>
             <a:endParaRPr lang="en-US"/>
           </a:p>
@@ -1971,7 +1971,7 @@
           <a:p>
             <a:fld id="{2AF10721-C3B9-4CD3-9E8B-0CBC153B4597}" type="datetimeFigureOut">
               <a:rPr lang="en-US" smtClean="0"/>
-              <a:t>3/27/2021</a:t>
+              <a:t>4/17/2021</a:t>
             </a:fld>
             <a:endParaRPr lang="en-US"/>
           </a:p>
@@ -2084,7 +2084,7 @@
           <a:p>
             <a:fld id="{2AF10721-C3B9-4CD3-9E8B-0CBC153B4597}" type="datetimeFigureOut">
               <a:rPr lang="en-US" smtClean="0"/>
-              <a:t>3/27/2021</a:t>
+              <a:t>4/17/2021</a:t>
             </a:fld>
             <a:endParaRPr lang="en-US"/>
           </a:p>
@@ -2395,7 +2395,7 @@
           <a:p>
             <a:fld id="{2AF10721-C3B9-4CD3-9E8B-0CBC153B4597}" type="datetimeFigureOut">
               <a:rPr lang="en-US" smtClean="0"/>
-              <a:t>3/27/2021</a:t>
+              <a:t>4/17/2021</a:t>
             </a:fld>
             <a:endParaRPr lang="en-US"/>
           </a:p>
@@ -2683,7 +2683,7 @@
           <a:p>
             <a:fld id="{2AF10721-C3B9-4CD3-9E8B-0CBC153B4597}" type="datetimeFigureOut">
               <a:rPr lang="en-US" smtClean="0"/>
-              <a:t>3/27/2021</a:t>
+              <a:t>4/17/2021</a:t>
             </a:fld>
             <a:endParaRPr lang="en-US"/>
           </a:p>
@@ -2924,7 +2924,7 @@
           <a:p>
             <a:fld id="{2AF10721-C3B9-4CD3-9E8B-0CBC153B4597}" type="datetimeFigureOut">
               <a:rPr lang="en-US" smtClean="0"/>
-              <a:t>3/27/2021</a:t>
+              <a:t>4/17/2021</a:t>
             </a:fld>
             <a:endParaRPr lang="en-US"/>
           </a:p>
@@ -3355,55 +3355,33 @@
         </p:nvSpPr>
         <p:spPr>
           <a:xfrm>
-            <a:off x="292932" y="817997"/>
-            <a:ext cx="4776820" cy="923330"/>
+            <a:off x="2479532" y="1741327"/>
+            <a:ext cx="6439485" cy="2554545"/>
           </a:xfrm>
           <a:prstGeom prst="rect">
             <a:avLst/>
           </a:prstGeom>
           <a:solidFill>
-            <a:schemeClr val="bg1">
-              <a:lumMod val="95000"/>
-            </a:schemeClr>
+            <a:schemeClr val="bg1"/>
           </a:solidFill>
         </p:spPr>
         <p:txBody>
-          <a:bodyPr wrap="none" rtlCol="0">
+          <a:bodyPr wrap="square" rtlCol="0">
             <a:spAutoFit/>
           </a:bodyPr>
           <a:lstStyle/>
           <a:p>
             <a:r>
-              <a:rPr lang="en-US" sz="5400" b="1" dirty="0">
+              <a:rPr lang="en-US" sz="8000" b="1" dirty="0">
                 <a:solidFill>
-                  <a:schemeClr val="accent5">
-                    <a:lumMod val="75000"/>
-                  </a:schemeClr>
+                  <a:schemeClr val="accent2"/>
                 </a:solidFill>
               </a:rPr>
-              <a:t>ACCESS</a:t>
-            </a:r>
-            <a:r>
-              <a:rPr lang="en-US" sz="5400" b="1" dirty="0">
-                <a:solidFill>
-                  <a:schemeClr val="accent1">
-                    <a:lumMod val="75000"/>
-                  </a:schemeClr>
-                </a:solidFill>
-              </a:rPr>
-              <a:t>        </a:t>
-            </a:r>
-            <a:r>
-              <a:rPr lang="en-US" sz="5400" b="1" dirty="0">
-                <a:solidFill>
-                  <a:schemeClr val="tx2"/>
-                </a:solidFill>
-              </a:rPr>
-              <a:t>IBLE</a:t>
-            </a:r>
-            <a:endParaRPr lang="en-US" sz="5400" dirty="0">
+              <a:t>Digital-Activity Maker</a:t>
+            </a:r>
+            <a:endParaRPr lang="en-US" sz="8000" dirty="0">
               <a:solidFill>
-                <a:schemeClr val="tx2"/>
+                <a:schemeClr val="accent2"/>
               </a:solidFill>
             </a:endParaRPr>
           </a:p>
@@ -3529,8 +3507,191 @@
         </p:blipFill>
         <p:spPr>
           <a:xfrm>
-            <a:off x="4464147" y="2141806"/>
+            <a:off x="8407976" y="127958"/>
             <a:ext cx="3948332" cy="3948332"/>
+          </a:xfrm>
+          <a:prstGeom prst="rect">
+            <a:avLst/>
+          </a:prstGeom>
+        </p:spPr>
+      </p:pic>
+      <p:sp>
+        <p:nvSpPr>
+          <p:cNvPr id="11" name="TextBox 10">
+            <a:extLst>
+              <a:ext uri="{FF2B5EF4-FFF2-40B4-BE49-F238E27FC236}">
+                <a16:creationId xmlns:a16="http://schemas.microsoft.com/office/drawing/2014/main" id="{A73B5E36-EB9C-4F86-A409-E769A46A78B5}"/>
+              </a:ext>
+            </a:extLst>
+          </p:cNvPr>
+          <p:cNvSpPr txBox="1"/>
+          <p:nvPr/>
+        </p:nvSpPr>
+        <p:spPr>
+          <a:xfrm>
+            <a:off x="8665698" y="3835446"/>
+            <a:ext cx="3432888" cy="2585323"/>
+          </a:xfrm>
+          <a:prstGeom prst="rect">
+            <a:avLst/>
+          </a:prstGeom>
+          <a:solidFill>
+            <a:schemeClr val="accent2"/>
+          </a:solidFill>
+        </p:spPr>
+        <p:txBody>
+          <a:bodyPr wrap="square" rtlCol="0">
+            <a:spAutoFit/>
+          </a:bodyPr>
+          <a:lstStyle/>
+          <a:p>
+            <a:endParaRPr lang="en-US" sz="5400" b="1" dirty="0">
+              <a:solidFill>
+                <a:schemeClr val="bg1"/>
+              </a:solidFill>
+            </a:endParaRPr>
+          </a:p>
+          <a:p>
+            <a:r>
+              <a:rPr lang="en-US" sz="5400" b="1" dirty="0">
+                <a:solidFill>
+                  <a:schemeClr val="bg1"/>
+                </a:solidFill>
+              </a:rPr>
+              <a:t>Digital Teacher</a:t>
+            </a:r>
+            <a:endParaRPr lang="en-US" sz="5400" dirty="0">
+              <a:solidFill>
+                <a:schemeClr val="bg1"/>
+              </a:solidFill>
+            </a:endParaRPr>
+          </a:p>
+        </p:txBody>
+      </p:sp>
+      <p:pic>
+        <p:nvPicPr>
+          <p:cNvPr id="13" name="Graphic 12" descr="Touch Screen with solid fill">
+            <a:extLst>
+              <a:ext uri="{FF2B5EF4-FFF2-40B4-BE49-F238E27FC236}">
+                <a16:creationId xmlns:a16="http://schemas.microsoft.com/office/drawing/2014/main" id="{17A90C18-8970-4B0F-8599-CD13613D2FB9}"/>
+              </a:ext>
+            </a:extLst>
+          </p:cNvPr>
+          <p:cNvPicPr>
+            <a:picLocks noChangeAspect="1"/>
+          </p:cNvPicPr>
+          <p:nvPr/>
+        </p:nvPicPr>
+        <p:blipFill>
+          <a:blip r:embed="rId6">
+            <a:extLst>
+              <a:ext uri="{28A0092B-C50C-407E-A947-70E740481C1C}">
+                <a14:useLocalDpi xmlns:a14="http://schemas.microsoft.com/office/drawing/2010/main" val="0"/>
+              </a:ext>
+              <a:ext uri="{96DAC541-7B7A-43D3-8B79-37D633B846F1}">
+                <asvg:svgBlip xmlns:asvg="http://schemas.microsoft.com/office/drawing/2016/SVG/main" r:embed="rId7"/>
+              </a:ext>
+            </a:extLst>
+          </a:blip>
+          <a:srcRect/>
+          <a:stretch/>
+        </p:blipFill>
+        <p:spPr>
+          <a:xfrm>
+            <a:off x="10524978" y="3990880"/>
+            <a:ext cx="1667022" cy="1667022"/>
+          </a:xfrm>
+          <a:prstGeom prst="rect">
+            <a:avLst/>
+          </a:prstGeom>
+        </p:spPr>
+      </p:pic>
+      <p:sp>
+        <p:nvSpPr>
+          <p:cNvPr id="4" name="Rectangle 3">
+            <a:extLst>
+              <a:ext uri="{FF2B5EF4-FFF2-40B4-BE49-F238E27FC236}">
+                <a16:creationId xmlns:a16="http://schemas.microsoft.com/office/drawing/2014/main" id="{E7BFCCD8-9F22-4C00-86C9-DDF46D7825A3}"/>
+              </a:ext>
+            </a:extLst>
+          </p:cNvPr>
+          <p:cNvSpPr/>
+          <p:nvPr/>
+        </p:nvSpPr>
+        <p:spPr>
+          <a:xfrm>
+            <a:off x="198419" y="2025185"/>
+            <a:ext cx="2342449" cy="2346031"/>
+          </a:xfrm>
+          <a:prstGeom prst="rect">
+            <a:avLst/>
+          </a:prstGeom>
+          <a:solidFill>
+            <a:schemeClr val="accent2"/>
+          </a:solidFill>
+          <a:ln>
+            <a:solidFill>
+              <a:schemeClr val="accent2"/>
+            </a:solidFill>
+          </a:ln>
+        </p:spPr>
+        <p:style>
+          <a:lnRef idx="2">
+            <a:schemeClr val="accent1">
+              <a:shade val="50000"/>
+            </a:schemeClr>
+          </a:lnRef>
+          <a:fillRef idx="1">
+            <a:schemeClr val="accent1"/>
+          </a:fillRef>
+          <a:effectRef idx="0">
+            <a:schemeClr val="accent1"/>
+          </a:effectRef>
+          <a:fontRef idx="minor">
+            <a:schemeClr val="lt1"/>
+          </a:fontRef>
+        </p:style>
+        <p:txBody>
+          <a:bodyPr rtlCol="0" anchor="ctr"/>
+          <a:lstStyle/>
+          <a:p>
+            <a:pPr algn="ctr"/>
+            <a:endParaRPr lang="en-US"/>
+          </a:p>
+        </p:txBody>
+      </p:sp>
+      <p:pic>
+        <p:nvPicPr>
+          <p:cNvPr id="10" name="Graphic 9" descr="Touch Screen with solid fill">
+            <a:extLst>
+              <a:ext uri="{FF2B5EF4-FFF2-40B4-BE49-F238E27FC236}">
+                <a16:creationId xmlns:a16="http://schemas.microsoft.com/office/drawing/2014/main" id="{65412ED9-73FA-42B3-9F85-E4AE1EFEBC2C}"/>
+              </a:ext>
+            </a:extLst>
+          </p:cNvPr>
+          <p:cNvPicPr>
+            <a:picLocks noChangeAspect="1"/>
+          </p:cNvPicPr>
+          <p:nvPr/>
+        </p:nvPicPr>
+        <p:blipFill rotWithShape="1">
+          <a:blip r:embed="rId6">
+            <a:extLst>
+              <a:ext uri="{28A0092B-C50C-407E-A947-70E740481C1C}">
+                <a14:useLocalDpi xmlns:a14="http://schemas.microsoft.com/office/drawing/2010/main" val="0"/>
+              </a:ext>
+              <a:ext uri="{96DAC541-7B7A-43D3-8B79-37D633B846F1}">
+                <asvg:svgBlip xmlns:asvg="http://schemas.microsoft.com/office/drawing/2016/SVG/main" r:embed="rId7"/>
+              </a:ext>
+            </a:extLst>
+          </a:blip>
+          <a:srcRect l="20090" r="17463"/>
+          <a:stretch/>
+        </p:blipFill>
+        <p:spPr>
+          <a:xfrm>
+            <a:off x="598584" y="1965652"/>
+            <a:ext cx="1539004" cy="2464488"/>
           </a:xfrm>
           <a:prstGeom prst="rect">
             <a:avLst/>
